--- a/實驗室資料/Data/C108112102_何佳曄_進度報告.pptx
+++ b/實驗室資料/Data/C108112102_何佳曄_進度報告.pptx
@@ -5,18 +5,17 @@
     <p:sldMasterId id="2147483648" r:id="rId1"/>
   </p:sldMasterIdLst>
   <p:notesMasterIdLst>
-    <p:notesMasterId r:id="rId8"/>
+    <p:notesMasterId r:id="rId7"/>
   </p:notesMasterIdLst>
   <p:handoutMasterIdLst>
-    <p:handoutMasterId r:id="rId9"/>
+    <p:handoutMasterId r:id="rId8"/>
   </p:handoutMasterIdLst>
   <p:sldIdLst>
     <p:sldId id="259" r:id="rId2"/>
     <p:sldId id="262" r:id="rId3"/>
-    <p:sldId id="261" r:id="rId4"/>
-    <p:sldId id="263" r:id="rId5"/>
-    <p:sldId id="264" r:id="rId6"/>
-    <p:sldId id="265" r:id="rId7"/>
+    <p:sldId id="263" r:id="rId4"/>
+    <p:sldId id="264" r:id="rId5"/>
+    <p:sldId id="265" r:id="rId6"/>
   </p:sldIdLst>
   <p:sldSz cx="12192000" cy="6858000"/>
   <p:notesSz cx="6858000" cy="9144000"/>
@@ -122,7 +121,6 @@
           <p14:sldIdLst>
             <p14:sldId id="259"/>
             <p14:sldId id="262"/>
-            <p14:sldId id="261"/>
           </p14:sldIdLst>
         </p14:section>
         <p14:section name="2020.10.30" id="{4F16C78D-7A58-4AED-8E50-6878406AEE2B}">
@@ -238,7 +236,7 @@
           <a:p>
             <a:fld id="{7829F8E0-05F2-4742-BB97-D2E4F51035C8}" type="datetimeFigureOut">
               <a:rPr lang="zh-TW" altLang="en-US" smtClean="0"/>
-              <a:t>2020/10/29</a:t>
+              <a:t>2020/10/30</a:t>
             </a:fld>
             <a:endParaRPr lang="zh-TW" altLang="en-US"/>
           </a:p>
@@ -403,7 +401,7 @@
           <a:p>
             <a:fld id="{2CB905C5-9D54-40E2-B40C-7996280CAB02}" type="datetimeFigureOut">
               <a:rPr lang="zh-TW" altLang="en-US" smtClean="0"/>
-              <a:t>2020/10/29</a:t>
+              <a:t>2020/10/30</a:t>
             </a:fld>
             <a:endParaRPr lang="zh-TW" altLang="en-US"/>
           </a:p>
@@ -819,7 +817,7 @@
           <a:p>
             <a:fld id="{EF8A6B0B-A5FB-4629-B823-69B1A9EB3A43}" type="slidenum">
               <a:rPr lang="zh-TW" altLang="en-US" smtClean="0"/>
-              <a:t>4</a:t>
+              <a:t>3</a:t>
             </a:fld>
             <a:endParaRPr lang="zh-TW" altLang="en-US"/>
           </a:p>
@@ -972,7 +970,7 @@
           <a:p>
             <a:fld id="{0C0CC965-A63A-473D-BEFB-C8F9714D5269}" type="datetimeFigureOut">
               <a:rPr lang="zh-TW" altLang="en-US" smtClean="0"/>
-              <a:t>2020/10/29</a:t>
+              <a:t>2020/10/30</a:t>
             </a:fld>
             <a:endParaRPr lang="zh-TW" altLang="en-US"/>
           </a:p>
@@ -1140,7 +1138,7 @@
           <a:p>
             <a:fld id="{0C0CC965-A63A-473D-BEFB-C8F9714D5269}" type="datetimeFigureOut">
               <a:rPr lang="zh-TW" altLang="en-US" smtClean="0"/>
-              <a:t>2020/10/29</a:t>
+              <a:t>2020/10/30</a:t>
             </a:fld>
             <a:endParaRPr lang="zh-TW" altLang="en-US"/>
           </a:p>
@@ -1318,7 +1316,7 @@
           <a:p>
             <a:fld id="{0C0CC965-A63A-473D-BEFB-C8F9714D5269}" type="datetimeFigureOut">
               <a:rPr lang="zh-TW" altLang="en-US" smtClean="0"/>
-              <a:t>2020/10/29</a:t>
+              <a:t>2020/10/30</a:t>
             </a:fld>
             <a:endParaRPr lang="zh-TW" altLang="en-US"/>
           </a:p>
@@ -1513,7 +1511,7 @@
           <a:p>
             <a:fld id="{0C0CC965-A63A-473D-BEFB-C8F9714D5269}" type="datetimeFigureOut">
               <a:rPr lang="zh-TW" altLang="en-US" smtClean="0"/>
-              <a:t>2020/10/29</a:t>
+              <a:t>2020/10/30</a:t>
             </a:fld>
             <a:endParaRPr lang="zh-TW" altLang="en-US"/>
           </a:p>
@@ -1758,7 +1756,7 @@
           <a:p>
             <a:fld id="{0C0CC965-A63A-473D-BEFB-C8F9714D5269}" type="datetimeFigureOut">
               <a:rPr lang="zh-TW" altLang="en-US" smtClean="0"/>
-              <a:t>2020/10/29</a:t>
+              <a:t>2020/10/30</a:t>
             </a:fld>
             <a:endParaRPr lang="zh-TW" altLang="en-US"/>
           </a:p>
@@ -1987,7 +1985,7 @@
           <a:p>
             <a:fld id="{0C0CC965-A63A-473D-BEFB-C8F9714D5269}" type="datetimeFigureOut">
               <a:rPr lang="zh-TW" altLang="en-US" smtClean="0"/>
-              <a:t>2020/10/29</a:t>
+              <a:t>2020/10/30</a:t>
             </a:fld>
             <a:endParaRPr lang="zh-TW" altLang="en-US"/>
           </a:p>
@@ -2351,7 +2349,7 @@
           <a:p>
             <a:fld id="{0C0CC965-A63A-473D-BEFB-C8F9714D5269}" type="datetimeFigureOut">
               <a:rPr lang="zh-TW" altLang="en-US" smtClean="0"/>
-              <a:t>2020/10/29</a:t>
+              <a:t>2020/10/30</a:t>
             </a:fld>
             <a:endParaRPr lang="zh-TW" altLang="en-US"/>
           </a:p>
@@ -2468,7 +2466,7 @@
           <a:p>
             <a:fld id="{0C0CC965-A63A-473D-BEFB-C8F9714D5269}" type="datetimeFigureOut">
               <a:rPr lang="zh-TW" altLang="en-US" smtClean="0"/>
-              <a:t>2020/10/29</a:t>
+              <a:t>2020/10/30</a:t>
             </a:fld>
             <a:endParaRPr lang="zh-TW" altLang="en-US"/>
           </a:p>
@@ -2563,7 +2561,7 @@
           <a:p>
             <a:fld id="{0C0CC965-A63A-473D-BEFB-C8F9714D5269}" type="datetimeFigureOut">
               <a:rPr lang="zh-TW" altLang="en-US" smtClean="0"/>
-              <a:t>2020/10/29</a:t>
+              <a:t>2020/10/30</a:t>
             </a:fld>
             <a:endParaRPr lang="zh-TW" altLang="en-US"/>
           </a:p>
@@ -2838,7 +2836,7 @@
           <a:p>
             <a:fld id="{0C0CC965-A63A-473D-BEFB-C8F9714D5269}" type="datetimeFigureOut">
               <a:rPr lang="zh-TW" altLang="en-US" smtClean="0"/>
-              <a:t>2020/10/29</a:t>
+              <a:t>2020/10/30</a:t>
             </a:fld>
             <a:endParaRPr lang="zh-TW" altLang="en-US"/>
           </a:p>
@@ -3090,7 +3088,7 @@
           <a:p>
             <a:fld id="{0C0CC965-A63A-473D-BEFB-C8F9714D5269}" type="datetimeFigureOut">
               <a:rPr lang="zh-TW" altLang="en-US" smtClean="0"/>
-              <a:t>2020/10/29</a:t>
+              <a:t>2020/10/30</a:t>
             </a:fld>
             <a:endParaRPr lang="zh-TW" altLang="en-US"/>
           </a:p>
@@ -3304,7 +3302,7 @@
             <a:fld id="{0C0CC965-A63A-473D-BEFB-C8F9714D5269}" type="datetimeFigureOut">
               <a:rPr lang="zh-TW" altLang="en-US" smtClean="0"/>
               <a:pPr/>
-              <a:t>2020/10/29</a:t>
+              <a:t>2020/10/30</a:t>
             </a:fld>
             <a:endParaRPr lang="zh-TW" altLang="en-US"/>
           </a:p>
@@ -4072,61 +4070,118 @@
       </p:grpSpPr>
       <p:sp>
         <p:nvSpPr>
-          <p:cNvPr id="2" name="內容版面配置區 1">
-            <a:extLst>
-              <a:ext uri="{FF2B5EF4-FFF2-40B4-BE49-F238E27FC236}">
-                <a16:creationId xmlns:a16="http://schemas.microsoft.com/office/drawing/2014/main" id="{4E4E023D-3F40-4B3A-AEA0-AF9EA4EE7FCF}"/>
-              </a:ext>
-            </a:extLst>
-          </p:cNvPr>
-          <p:cNvSpPr>
-            <a:spLocks noGrp="1"/>
-          </p:cNvSpPr>
-          <p:nvPr>
-            <p:ph idx="1"/>
-          </p:nvPr>
-        </p:nvSpPr>
-        <p:spPr/>
-        <p:txBody>
-          <a:bodyPr/>
-          <a:lstStyle/>
-          <a:p>
+          <p:cNvPr id="2" name="標題 1"/>
+          <p:cNvSpPr>
+            <a:spLocks noGrp="1"/>
+          </p:cNvSpPr>
+          <p:nvPr>
+            <p:ph type="ctrTitle"/>
+          </p:nvPr>
+        </p:nvSpPr>
+        <p:spPr>
+          <a:xfrm>
+            <a:off x="838200" y="1389530"/>
+            <a:ext cx="10515600" cy="2544296"/>
+          </a:xfrm>
+        </p:spPr>
+        <p:txBody>
+          <a:bodyPr anchor="t">
+            <a:normAutofit/>
+          </a:bodyPr>
+          <a:lstStyle/>
+          <a:p>
+            <a:pPr>
+              <a:lnSpc>
+                <a:spcPct val="125000"/>
+              </a:lnSpc>
+            </a:pPr>
+            <a:br>
+              <a:rPr lang="en-US" altLang="zh-TW" sz="4000" b="0" dirty="0"/>
+            </a:br>
+            <a:r>
+              <a:rPr lang="zh-TW" altLang="en-US" sz="4800" dirty="0"/>
+              <a:t>專案進度報告</a:t>
+            </a:r>
+            <a:endParaRPr lang="zh-TW" altLang="en-US" sz="4000" dirty="0"/>
+          </a:p>
+        </p:txBody>
+      </p:sp>
+      <p:sp>
+        <p:nvSpPr>
+          <p:cNvPr id="3" name="副標題 2"/>
+          <p:cNvSpPr>
+            <a:spLocks noGrp="1"/>
+          </p:cNvSpPr>
+          <p:nvPr>
+            <p:ph type="subTitle" idx="1"/>
+          </p:nvPr>
+        </p:nvSpPr>
+        <p:spPr>
+          <a:xfrm>
+            <a:off x="838200" y="3933825"/>
+            <a:ext cx="10515600" cy="2325461"/>
+          </a:xfrm>
+        </p:spPr>
+        <p:txBody>
+          <a:bodyPr numCol="3">
+            <a:normAutofit/>
+          </a:bodyPr>
+          <a:lstStyle/>
+          <a:p>
+            <a:pPr algn="l"/>
+            <a:r>
+              <a:rPr lang="zh-TW" altLang="en-US" dirty="0"/>
+              <a:t>負  責  人：何佳曄</a:t>
+            </a:r>
+            <a:endParaRPr lang="en-US" altLang="zh-TW" dirty="0"/>
+          </a:p>
+          <a:p>
+            <a:pPr algn="l"/>
+            <a:r>
+              <a:rPr lang="zh-TW" altLang="en-US" dirty="0"/>
+              <a:t>目前成員：何佳曄</a:t>
+            </a:r>
+            <a:endParaRPr lang="en-US" altLang="zh-TW" dirty="0"/>
+          </a:p>
+          <a:p>
+            <a:pPr algn="l"/>
+            <a:r>
+              <a:rPr lang="zh-TW" altLang="en-US" dirty="0"/>
+              <a:t>報告日期：</a:t>
+            </a:r>
+            <a:r>
+              <a:rPr lang="en-US" altLang="zh-TW" dirty="0"/>
+              <a:t>2020.11.06</a:t>
+            </a:r>
+          </a:p>
+          <a:p>
+            <a:pPr algn="l"/>
+            <a:r>
+              <a:rPr lang="zh-TW" altLang="en-US" dirty="0"/>
+              <a:t>開始日期：</a:t>
+            </a:r>
+            <a:r>
+              <a:rPr lang="en-US" altLang="zh-TW" dirty="0"/>
+              <a:t>2020.10.30</a:t>
+            </a:r>
+          </a:p>
+          <a:p>
+            <a:r>
+              <a:rPr lang="zh-TW" altLang="en-US" dirty="0"/>
+              <a:t>結束日期：</a:t>
+            </a:r>
+            <a:r>
+              <a:rPr lang="en-US" altLang="zh-TW" dirty="0"/>
+              <a:t>2020.11.06</a:t>
+            </a:r>
             <a:endParaRPr lang="zh-TW" altLang="en-US" dirty="0"/>
-          </a:p>
-        </p:txBody>
-      </p:sp>
-      <p:sp>
-        <p:nvSpPr>
-          <p:cNvPr id="3" name="標題 2">
-            <a:extLst>
-              <a:ext uri="{FF2B5EF4-FFF2-40B4-BE49-F238E27FC236}">
-                <a16:creationId xmlns:a16="http://schemas.microsoft.com/office/drawing/2014/main" id="{25064C52-DA7E-4B79-92ED-DAF7CB9A641A}"/>
-              </a:ext>
-            </a:extLst>
-          </p:cNvPr>
-          <p:cNvSpPr>
-            <a:spLocks noGrp="1"/>
-          </p:cNvSpPr>
-          <p:nvPr>
-            <p:ph type="title"/>
-          </p:nvPr>
-        </p:nvSpPr>
-        <p:spPr/>
-        <p:txBody>
-          <a:bodyPr/>
-          <a:lstStyle/>
-          <a:p>
-            <a:r>
-              <a:rPr lang="zh-TW" altLang="en-US" dirty="0"/>
-              <a:t>下周進度</a:t>
-            </a:r>
           </a:p>
         </p:txBody>
       </p:sp>
     </p:spTree>
     <p:extLst>
       <p:ext uri="{BB962C8B-B14F-4D97-AF65-F5344CB8AC3E}">
-        <p14:creationId xmlns:p14="http://schemas.microsoft.com/office/powerpoint/2010/main" val="1885854650"/>
+        <p14:creationId xmlns:p14="http://schemas.microsoft.com/office/powerpoint/2010/main" val="2714732295"/>
       </p:ext>
     </p:extLst>
   </p:cSld>
@@ -4155,146 +4210,6 @@
       </p:grpSpPr>
       <p:sp>
         <p:nvSpPr>
-          <p:cNvPr id="2" name="標題 1"/>
-          <p:cNvSpPr>
-            <a:spLocks noGrp="1"/>
-          </p:cNvSpPr>
-          <p:nvPr>
-            <p:ph type="ctrTitle"/>
-          </p:nvPr>
-        </p:nvSpPr>
-        <p:spPr>
-          <a:xfrm>
-            <a:off x="838200" y="1389530"/>
-            <a:ext cx="10515600" cy="2544296"/>
-          </a:xfrm>
-        </p:spPr>
-        <p:txBody>
-          <a:bodyPr anchor="t">
-            <a:normAutofit/>
-          </a:bodyPr>
-          <a:lstStyle/>
-          <a:p>
-            <a:pPr>
-              <a:lnSpc>
-                <a:spcPct val="125000"/>
-              </a:lnSpc>
-            </a:pPr>
-            <a:br>
-              <a:rPr lang="en-US" altLang="zh-TW" sz="4000" b="0" dirty="0"/>
-            </a:br>
-            <a:r>
-              <a:rPr lang="zh-TW" altLang="en-US" sz="4800" dirty="0"/>
-              <a:t>專案進度報告</a:t>
-            </a:r>
-            <a:endParaRPr lang="zh-TW" altLang="en-US" sz="4000" dirty="0"/>
-          </a:p>
-        </p:txBody>
-      </p:sp>
-      <p:sp>
-        <p:nvSpPr>
-          <p:cNvPr id="3" name="副標題 2"/>
-          <p:cNvSpPr>
-            <a:spLocks noGrp="1"/>
-          </p:cNvSpPr>
-          <p:nvPr>
-            <p:ph type="subTitle" idx="1"/>
-          </p:nvPr>
-        </p:nvSpPr>
-        <p:spPr>
-          <a:xfrm>
-            <a:off x="838200" y="3933825"/>
-            <a:ext cx="10515600" cy="2325461"/>
-          </a:xfrm>
-        </p:spPr>
-        <p:txBody>
-          <a:bodyPr numCol="3">
-            <a:normAutofit/>
-          </a:bodyPr>
-          <a:lstStyle/>
-          <a:p>
-            <a:pPr algn="l"/>
-            <a:r>
-              <a:rPr lang="zh-TW" altLang="en-US" dirty="0"/>
-              <a:t>負  責  人：何佳曄</a:t>
-            </a:r>
-            <a:endParaRPr lang="en-US" altLang="zh-TW" dirty="0"/>
-          </a:p>
-          <a:p>
-            <a:pPr algn="l"/>
-            <a:r>
-              <a:rPr lang="zh-TW" altLang="en-US" dirty="0"/>
-              <a:t>目前成員：何佳曄</a:t>
-            </a:r>
-            <a:endParaRPr lang="en-US" altLang="zh-TW" dirty="0"/>
-          </a:p>
-          <a:p>
-            <a:pPr algn="l"/>
-            <a:r>
-              <a:rPr lang="zh-TW" altLang="en-US" dirty="0"/>
-              <a:t>報告日期：</a:t>
-            </a:r>
-            <a:r>
-              <a:rPr lang="en-US" altLang="zh-TW" dirty="0"/>
-              <a:t>2020.11.06</a:t>
-            </a:r>
-          </a:p>
-          <a:p>
-            <a:pPr algn="l"/>
-            <a:r>
-              <a:rPr lang="zh-TW" altLang="en-US" dirty="0"/>
-              <a:t>開始日期：</a:t>
-            </a:r>
-            <a:r>
-              <a:rPr lang="en-US" altLang="zh-TW" dirty="0"/>
-              <a:t>2020.10.30</a:t>
-            </a:r>
-          </a:p>
-          <a:p>
-            <a:r>
-              <a:rPr lang="zh-TW" altLang="en-US" dirty="0"/>
-              <a:t>結束日期：</a:t>
-            </a:r>
-            <a:r>
-              <a:rPr lang="en-US" altLang="zh-TW" dirty="0"/>
-              <a:t>2020.11.06</a:t>
-            </a:r>
-            <a:endParaRPr lang="zh-TW" altLang="en-US" dirty="0"/>
-          </a:p>
-        </p:txBody>
-      </p:sp>
-    </p:spTree>
-    <p:extLst>
-      <p:ext uri="{BB962C8B-B14F-4D97-AF65-F5344CB8AC3E}">
-        <p14:creationId xmlns:p14="http://schemas.microsoft.com/office/powerpoint/2010/main" val="2714732295"/>
-      </p:ext>
-    </p:extLst>
-  </p:cSld>
-  <p:clrMapOvr>
-    <a:masterClrMapping/>
-  </p:clrMapOvr>
-</p:sld>
-</file>
-
-<file path=ppt/slides/slide5.xml><?xml version="1.0" encoding="utf-8"?>
-<p:sld xmlns:a="http://schemas.openxmlformats.org/drawingml/2006/main" xmlns:r="http://schemas.openxmlformats.org/officeDocument/2006/relationships" xmlns:p="http://schemas.openxmlformats.org/presentationml/2006/main">
-  <p:cSld>
-    <p:spTree>
-      <p:nvGrpSpPr>
-        <p:cNvPr id="1" name=""/>
-        <p:cNvGrpSpPr/>
-        <p:nvPr/>
-      </p:nvGrpSpPr>
-      <p:grpSpPr>
-        <a:xfrm>
-          <a:off x="0" y="0"/>
-          <a:ext cx="0" cy="0"/>
-          <a:chOff x="0" y="0"/>
-          <a:chExt cx="0" cy="0"/>
-        </a:xfrm>
-      </p:grpSpPr>
-      <p:sp>
-        <p:nvSpPr>
           <p:cNvPr id="2" name="內容版面配置區 1">
             <a:extLst>
               <a:ext uri="{FF2B5EF4-FFF2-40B4-BE49-F238E27FC236}">
@@ -4359,7 +4274,7 @@
 </p:sld>
 </file>
 
-<file path=ppt/slides/slide6.xml><?xml version="1.0" encoding="utf-8"?>
+<file path=ppt/slides/slide5.xml><?xml version="1.0" encoding="utf-8"?>
 <p:sld xmlns:a="http://schemas.openxmlformats.org/drawingml/2006/main" xmlns:r="http://schemas.openxmlformats.org/officeDocument/2006/relationships" xmlns:p="http://schemas.openxmlformats.org/presentationml/2006/main">
   <p:cSld>
     <p:spTree>
